--- a/PPT/JDK - New Features.pptx
+++ b/PPT/JDK - New Features.pptx
@@ -5,10 +5,10 @@
     <p:sldMasterId id="2147483660" r:id="rId1"/>
   </p:sldMasterIdLst>
   <p:notesMasterIdLst>
-    <p:notesMasterId r:id="rId10"/>
+    <p:notesMasterId r:id="rId12"/>
   </p:notesMasterIdLst>
   <p:handoutMasterIdLst>
-    <p:handoutMasterId r:id="rId11"/>
+    <p:handoutMasterId r:id="rId13"/>
   </p:handoutMasterIdLst>
   <p:sldIdLst>
     <p:sldId id="256" r:id="rId2"/>
@@ -17,8 +17,10 @@
     <p:sldId id="261" r:id="rId5"/>
     <p:sldId id="262" r:id="rId6"/>
     <p:sldId id="263" r:id="rId7"/>
-    <p:sldId id="257" r:id="rId8"/>
-    <p:sldId id="258" r:id="rId9"/>
+    <p:sldId id="264" r:id="rId8"/>
+    <p:sldId id="265" r:id="rId9"/>
+    <p:sldId id="257" r:id="rId10"/>
+    <p:sldId id="258" r:id="rId11"/>
   </p:sldIdLst>
   <p:sldSz cx="9144000" cy="6858000" type="screen4x3"/>
   <p:notesSz cx="6858000" cy="9144000"/>
@@ -222,7 +224,7 @@
             <a:fld id="{5E9302A7-8594-484F-B726-A0F71F65036D}" type="datetimeFigureOut">
               <a:rPr lang="zh-CN" altLang="en-US" smtClean="0"/>
               <a:pPr/>
-              <a:t>2017/11/15</a:t>
+              <a:t>2019/12/4</a:t>
             </a:fld>
             <a:endParaRPr lang="zh-CN" altLang="en-US"/>
           </a:p>
@@ -389,7 +391,7 @@
             <a:fld id="{A5A8A0BA-708B-4B98-852A-71DC09C17B9A}" type="datetimeFigureOut">
               <a:rPr lang="zh-CN" altLang="en-US" smtClean="0"/>
               <a:pPr/>
-              <a:t>2017/11/15</a:t>
+              <a:t>2019/12/4</a:t>
             </a:fld>
             <a:endParaRPr lang="zh-CN" altLang="en-US"/>
           </a:p>
@@ -849,7 +851,7 @@
             <a:fld id="{79A26581-C842-49D0-AB93-D089A5BA37C7}" type="datetime1">
               <a:rPr lang="zh-CN" altLang="en-US" smtClean="0"/>
               <a:pPr/>
-              <a:t>2017/11/15</a:t>
+              <a:t>2019/12/4</a:t>
             </a:fld>
             <a:endParaRPr lang="zh-CN" altLang="en-US" dirty="0"/>
           </a:p>
@@ -1023,7 +1025,7 @@
             <a:fld id="{F2B461BA-1B2E-4425-B18A-43269697AD3D}" type="datetime1">
               <a:rPr lang="zh-CN" altLang="en-US" smtClean="0"/>
               <a:pPr/>
-              <a:t>2017/11/15</a:t>
+              <a:t>2019/12/4</a:t>
             </a:fld>
             <a:endParaRPr lang="zh-CN" altLang="en-US"/>
           </a:p>
@@ -1207,7 +1209,7 @@
             <a:fld id="{15520F5A-7510-46CC-AA86-3124215E8D22}" type="datetime1">
               <a:rPr lang="zh-CN" altLang="en-US" smtClean="0"/>
               <a:pPr/>
-              <a:t>2017/11/15</a:t>
+              <a:t>2019/12/4</a:t>
             </a:fld>
             <a:endParaRPr lang="zh-CN" altLang="en-US"/>
           </a:p>
@@ -1448,7 +1450,7 @@
             <a:fld id="{4EE09118-F6C0-44B1-AEB0-E70B108D11CB}" type="datetime1">
               <a:rPr lang="zh-CN" altLang="en-US" smtClean="0"/>
               <a:pPr/>
-              <a:t>2017/11/15</a:t>
+              <a:t>2019/12/4</a:t>
             </a:fld>
             <a:endParaRPr lang="zh-CN" altLang="en-US"/>
           </a:p>
@@ -1698,7 +1700,7 @@
             <a:fld id="{FFE509C5-9A07-431C-A613-704709B1F7E2}" type="datetime1">
               <a:rPr lang="zh-CN" altLang="en-US" smtClean="0"/>
               <a:pPr/>
-              <a:t>2017/11/15</a:t>
+              <a:t>2019/12/4</a:t>
             </a:fld>
             <a:endParaRPr lang="zh-CN" altLang="en-US"/>
           </a:p>
@@ -1990,7 +1992,7 @@
             <a:fld id="{8967B1C6-3ABD-4489-8AE2-134FC68E6291}" type="datetime1">
               <a:rPr lang="zh-CN" altLang="en-US" smtClean="0"/>
               <a:pPr/>
-              <a:t>2017/11/15</a:t>
+              <a:t>2019/12/4</a:t>
             </a:fld>
             <a:endParaRPr lang="zh-CN" altLang="en-US"/>
           </a:p>
@@ -2416,7 +2418,7 @@
             <a:fld id="{9C7A688F-5B34-48E1-B87F-DEEE44579934}" type="datetime1">
               <a:rPr lang="zh-CN" altLang="en-US" smtClean="0"/>
               <a:pPr/>
-              <a:t>2017/11/15</a:t>
+              <a:t>2019/12/4</a:t>
             </a:fld>
             <a:endParaRPr lang="zh-CN" altLang="en-US"/>
           </a:p>
@@ -2538,7 +2540,7 @@
             <a:fld id="{0E293655-0C55-4EBC-9662-DF4B811530CC}" type="datetime1">
               <a:rPr lang="zh-CN" altLang="en-US" smtClean="0"/>
               <a:pPr/>
-              <a:t>2017/11/15</a:t>
+              <a:t>2019/12/4</a:t>
             </a:fld>
             <a:endParaRPr lang="zh-CN" altLang="en-US"/>
           </a:p>
@@ -2637,7 +2639,7 @@
             <a:fld id="{B3D1C92C-9441-4593-BA63-8806E2668D59}" type="datetime1">
               <a:rPr lang="zh-CN" altLang="en-US" smtClean="0"/>
               <a:pPr/>
-              <a:t>2017/11/15</a:t>
+              <a:t>2019/12/4</a:t>
             </a:fld>
             <a:endParaRPr lang="zh-CN" altLang="en-US"/>
           </a:p>
@@ -2918,7 +2920,7 @@
             <a:fld id="{3282DFAC-E1C2-4166-88BF-52A1C1D21E8D}" type="datetime1">
               <a:rPr lang="zh-CN" altLang="en-US" smtClean="0"/>
               <a:pPr/>
-              <a:t>2017/11/15</a:t>
+              <a:t>2019/12/4</a:t>
             </a:fld>
             <a:endParaRPr lang="zh-CN" altLang="en-US"/>
           </a:p>
@@ -3175,7 +3177,7 @@
             <a:fld id="{3A8E4DE7-673F-4F05-9AEF-EE5581AABA64}" type="datetime1">
               <a:rPr lang="zh-CN" altLang="en-US" smtClean="0"/>
               <a:pPr/>
-              <a:t>2017/11/15</a:t>
+              <a:t>2019/12/4</a:t>
             </a:fld>
             <a:endParaRPr lang="zh-CN" altLang="en-US"/>
           </a:p>
@@ -3399,7 +3401,7 @@
             <a:fld id="{7BDB4ED8-B771-44BC-BE60-EE283D0BE87C}" type="datetime1">
               <a:rPr lang="zh-CN" altLang="en-US" smtClean="0"/>
               <a:pPr/>
-              <a:t>2017/11/15</a:t>
+              <a:t>2019/12/4</a:t>
             </a:fld>
             <a:endParaRPr lang="zh-CN" altLang="en-US" dirty="0"/>
           </a:p>
@@ -3850,7 +3852,7 @@
             <a:fld id="{C747BEE7-1600-4E86-851F-873E5728A0D8}" type="datetime1">
               <a:rPr lang="zh-CN" altLang="en-US" smtClean="0"/>
               <a:pPr/>
-              <a:t>2017/11/15</a:t>
+              <a:t>2019/12/4</a:t>
             </a:fld>
             <a:endParaRPr lang="zh-CN" altLang="en-US" dirty="0"/>
           </a:p>
@@ -3892,6 +3894,130 @@
       </p:par>
     </p:tnLst>
   </p:timing>
+</p:sld>
+</file>
+
+<file path=ppt/slides/slide10.xml><?xml version="1.0" encoding="utf-8"?>
+<p:sld xmlns:a="http://schemas.openxmlformats.org/drawingml/2006/main" xmlns:r="http://schemas.openxmlformats.org/officeDocument/2006/relationships" xmlns:p="http://schemas.openxmlformats.org/presentationml/2006/main">
+  <p:cSld>
+    <p:spTree>
+      <p:nvGrpSpPr>
+        <p:cNvPr id="1" name=""/>
+        <p:cNvGrpSpPr/>
+        <p:nvPr/>
+      </p:nvGrpSpPr>
+      <p:grpSpPr>
+        <a:xfrm>
+          <a:off x="0" y="0"/>
+          <a:ext cx="0" cy="0"/>
+          <a:chOff x="0" y="0"/>
+          <a:chExt cx="0" cy="0"/>
+        </a:xfrm>
+      </p:grpSpPr>
+      <p:sp>
+        <p:nvSpPr>
+          <p:cNvPr id="2" name="Title 1"/>
+          <p:cNvSpPr>
+            <a:spLocks noGrp="1"/>
+          </p:cNvSpPr>
+          <p:nvPr>
+            <p:ph type="title"/>
+          </p:nvPr>
+        </p:nvSpPr>
+        <p:spPr/>
+        <p:txBody>
+          <a:bodyPr/>
+          <a:lstStyle/>
+          <a:p>
+            <a:r>
+              <a:rPr lang="en-US" dirty="0" smtClean="0"/>
+              <a:t>Package </a:t>
+            </a:r>
+            <a:r>
+              <a:rPr lang="en-US" dirty="0" err="1" smtClean="0"/>
+              <a:t>java.util.concurrent.forkjoin</a:t>
+            </a:r>
+            <a:endParaRPr lang="en-US" dirty="0"/>
+          </a:p>
+        </p:txBody>
+      </p:sp>
+      <p:sp>
+        <p:nvSpPr>
+          <p:cNvPr id="3" name="Content Placeholder 2"/>
+          <p:cNvSpPr>
+            <a:spLocks noGrp="1"/>
+          </p:cNvSpPr>
+          <p:nvPr>
+            <p:ph idx="1"/>
+          </p:nvPr>
+        </p:nvSpPr>
+        <p:spPr/>
+        <p:txBody>
+          <a:bodyPr/>
+          <a:lstStyle/>
+          <a:p>
+            <a:endParaRPr lang="en-US" dirty="0"/>
+          </a:p>
+        </p:txBody>
+      </p:sp>
+      <p:sp>
+        <p:nvSpPr>
+          <p:cNvPr id="4" name="Date Placeholder 3"/>
+          <p:cNvSpPr>
+            <a:spLocks noGrp="1"/>
+          </p:cNvSpPr>
+          <p:nvPr>
+            <p:ph type="dt" sz="half" idx="10"/>
+          </p:nvPr>
+        </p:nvSpPr>
+        <p:spPr/>
+        <p:txBody>
+          <a:bodyPr/>
+          <a:lstStyle/>
+          <a:p>
+            <a:fld id="{4EE09118-F6C0-44B1-AEB0-E70B108D11CB}" type="datetime1">
+              <a:rPr lang="zh-CN" altLang="en-US" smtClean="0"/>
+              <a:pPr/>
+              <a:t>2019/12/4</a:t>
+            </a:fld>
+            <a:endParaRPr lang="zh-CN" altLang="en-US"/>
+          </a:p>
+        </p:txBody>
+      </p:sp>
+      <p:sp>
+        <p:nvSpPr>
+          <p:cNvPr id="5" name="Slide Number Placeholder 4"/>
+          <p:cNvSpPr>
+            <a:spLocks noGrp="1"/>
+          </p:cNvSpPr>
+          <p:nvPr>
+            <p:ph type="sldNum" sz="quarter" idx="12"/>
+          </p:nvPr>
+        </p:nvSpPr>
+        <p:spPr/>
+        <p:txBody>
+          <a:bodyPr/>
+          <a:lstStyle/>
+          <a:p>
+            <a:fld id="{B3D1565B-4E83-45B7-9B19-292BF6FE1A2E}" type="slidenum">
+              <a:rPr lang="zh-CN" altLang="en-US" smtClean="0"/>
+              <a:pPr/>
+              <a:t>10</a:t>
+            </a:fld>
+            <a:endParaRPr lang="zh-CN" altLang="en-US"/>
+          </a:p>
+        </p:txBody>
+      </p:sp>
+    </p:spTree>
+    <p:extLst>
+      <p:ext uri="{BB962C8B-B14F-4D97-AF65-F5344CB8AC3E}">
+        <p14:creationId xmlns:p14="http://schemas.microsoft.com/office/powerpoint/2010/main" val="2692975210"/>
+      </p:ext>
+    </p:extLst>
+  </p:cSld>
+  <p:clrMapOvr>
+    <a:masterClrMapping/>
+  </p:clrMapOvr>
 </p:sld>
 </file>
 
@@ -3969,7 +4095,6 @@
               <a:rPr lang="en-US" dirty="0"/>
               <a:t>http://javapapers.com/core-java/java-features-and-history/</a:t>
             </a:r>
-            <a:endParaRPr lang="en-US" dirty="0"/>
           </a:p>
         </p:txBody>
       </p:sp>
@@ -3991,7 +4116,7 @@
             <a:fld id="{4EE09118-F6C0-44B1-AEB0-E70B108D11CB}" type="datetime1">
               <a:rPr lang="zh-CN" altLang="en-US" smtClean="0"/>
               <a:pPr/>
-              <a:t>2017/11/15</a:t>
+              <a:t>2019/12/4</a:t>
             </a:fld>
             <a:endParaRPr lang="zh-CN" altLang="en-US"/>
           </a:p>
@@ -4178,7 +4303,7 @@
             <a:fld id="{4EE09118-F6C0-44B1-AEB0-E70B108D11CB}" type="datetime1">
               <a:rPr lang="zh-CN" altLang="en-US" smtClean="0"/>
               <a:pPr/>
-              <a:t>2017/11/15</a:t>
+              <a:t>2019/12/4</a:t>
             </a:fld>
             <a:endParaRPr lang="zh-CN" altLang="en-US"/>
           </a:p>
@@ -4305,7 +4430,7 @@
             <a:fld id="{4EE09118-F6C0-44B1-AEB0-E70B108D11CB}" type="datetime1">
               <a:rPr lang="zh-CN" altLang="en-US" smtClean="0"/>
               <a:pPr/>
-              <a:t>2017/11/15</a:t>
+              <a:t>2019/12/4</a:t>
             </a:fld>
             <a:endParaRPr lang="zh-CN" altLang="en-US"/>
           </a:p>
@@ -4456,7 +4581,7 @@
             <a:fld id="{4EE09118-F6C0-44B1-AEB0-E70B108D11CB}" type="datetime1">
               <a:rPr lang="zh-CN" altLang="en-US" smtClean="0"/>
               <a:pPr/>
-              <a:t>2017/11/15</a:t>
+              <a:t>2019/12/4</a:t>
             </a:fld>
             <a:endParaRPr lang="zh-CN" altLang="en-US"/>
           </a:p>
@@ -4585,9 +4710,10 @@
           </a:p>
           <a:p>
             <a:r>
-              <a:rPr lang="en-US" dirty="0"/>
+              <a:rPr lang="en-US" dirty="0" smtClean="0"/>
               <a:t>Stream</a:t>
             </a:r>
+            <a:endParaRPr lang="en-US" dirty="0"/>
           </a:p>
           <a:p>
             <a:r>
@@ -4702,7 +4828,7 @@
             <a:fld id="{4EE09118-F6C0-44B1-AEB0-E70B108D11CB}" type="datetime1">
               <a:rPr lang="zh-CN" altLang="en-US" smtClean="0"/>
               <a:pPr/>
-              <a:t>2017/11/15</a:t>
+              <a:t>2019/12/4</a:t>
             </a:fld>
             <a:endParaRPr lang="zh-CN" altLang="en-US"/>
           </a:p>
@@ -4774,14 +4900,12 @@
         </p:nvSpPr>
         <p:spPr/>
         <p:txBody>
-          <a:bodyPr>
-            <a:normAutofit/>
-          </a:bodyPr>
-          <a:lstStyle/>
-          <a:p>
-            <a:r>
-              <a:rPr lang="en-US" dirty="0" err="1" smtClean="0"/>
-              <a:t>OSGi</a:t>
+          <a:bodyPr/>
+          <a:lstStyle/>
+          <a:p>
+            <a:r>
+              <a:rPr lang="en-US" dirty="0"/>
+              <a:t>Lambda Expressions</a:t>
             </a:r>
             <a:endParaRPr lang="en-US" dirty="0"/>
           </a:p>
@@ -4789,28 +4913,6 @@
       </p:sp>
       <p:sp>
         <p:nvSpPr>
-          <p:cNvPr id="3" name="Content Placeholder 2"/>
-          <p:cNvSpPr>
-            <a:spLocks noGrp="1"/>
-          </p:cNvSpPr>
-          <p:nvPr>
-            <p:ph idx="1"/>
-          </p:nvPr>
-        </p:nvSpPr>
-        <p:spPr/>
-        <p:txBody>
-          <a:bodyPr/>
-          <a:lstStyle/>
-          <a:p>
-            <a:r>
-              <a:rPr lang="en-US" dirty="0"/>
-              <a:t>https://en.wikipedia.org/wiki/OSGi</a:t>
-            </a:r>
-          </a:p>
-        </p:txBody>
-      </p:sp>
-      <p:sp>
-        <p:nvSpPr>
           <p:cNvPr id="4" name="Date Placeholder 3"/>
           <p:cNvSpPr>
             <a:spLocks noGrp="1"/>
@@ -4827,7 +4929,7 @@
             <a:fld id="{4EE09118-F6C0-44B1-AEB0-E70B108D11CB}" type="datetime1">
               <a:rPr lang="zh-CN" altLang="en-US" smtClean="0"/>
               <a:pPr/>
-              <a:t>2017/11/15</a:t>
+              <a:t>2019/12/4</a:t>
             </a:fld>
             <a:endParaRPr lang="zh-CN" altLang="en-US"/>
           </a:p>
@@ -4857,10 +4959,32 @@
           </a:p>
         </p:txBody>
       </p:sp>
+      <p:pic>
+        <p:nvPicPr>
+          <p:cNvPr id="6" name="Picture 5"/>
+          <p:cNvPicPr/>
+          <p:nvPr/>
+        </p:nvPicPr>
+        <p:blipFill>
+          <a:blip r:embed="rId2"/>
+          <a:stretch>
+            <a:fillRect/>
+          </a:stretch>
+        </p:blipFill>
+        <p:spPr>
+          <a:xfrm>
+            <a:off x="323528" y="1196752"/>
+            <a:ext cx="8496944" cy="3240360"/>
+          </a:xfrm>
+          <a:prstGeom prst="rect">
+            <a:avLst/>
+          </a:prstGeom>
+        </p:spPr>
+      </p:pic>
     </p:spTree>
     <p:extLst>
       <p:ext uri="{BB962C8B-B14F-4D97-AF65-F5344CB8AC3E}">
-        <p14:creationId xmlns:p14="http://schemas.microsoft.com/office/powerpoint/2010/main" val="2823695451"/>
+        <p14:creationId xmlns:p14="http://schemas.microsoft.com/office/powerpoint/2010/main" val="2366592018"/>
       </p:ext>
     </p:extLst>
   </p:cSld>
@@ -4904,11 +5028,46 @@
           <a:p>
             <a:r>
               <a:rPr lang="en-US" dirty="0" smtClean="0"/>
-              <a:t>Package </a:t>
-            </a:r>
+              <a:t>Method Reference</a:t>
+            </a:r>
+            <a:endParaRPr lang="en-US" dirty="0"/>
+          </a:p>
+        </p:txBody>
+      </p:sp>
+      <p:sp>
+        <p:nvSpPr>
+          <p:cNvPr id="3" name="Content Placeholder 2"/>
+          <p:cNvSpPr>
+            <a:spLocks noGrp="1"/>
+          </p:cNvSpPr>
+          <p:nvPr>
+            <p:ph idx="1"/>
+          </p:nvPr>
+        </p:nvSpPr>
+        <p:spPr/>
+        <p:txBody>
+          <a:bodyPr/>
+          <a:lstStyle/>
+          <a:p>
+            <a:r>
+              <a:rPr lang="zh-CN" altLang="en-US" dirty="0" smtClean="0"/>
+              <a:t>语法</a:t>
+            </a:r>
+            <a:endParaRPr lang="en-US" altLang="zh-CN" dirty="0" smtClean="0"/>
+          </a:p>
+          <a:p>
+            <a:pPr lvl="1"/>
             <a:r>
               <a:rPr lang="en-US" dirty="0" err="1" smtClean="0"/>
-              <a:t>java.util.concurrent.forkjoin</a:t>
+              <a:t>className</a:t>
+            </a:r>
+            <a:r>
+              <a:rPr lang="en-US" dirty="0" smtClean="0"/>
+              <a:t>::</a:t>
+            </a:r>
+            <a:r>
+              <a:rPr lang="en-US" dirty="0" err="1" smtClean="0"/>
+              <a:t>methodName</a:t>
             </a:r>
             <a:endParaRPr lang="en-US" dirty="0"/>
           </a:p>
@@ -4916,25 +5075,6 @@
       </p:sp>
       <p:sp>
         <p:nvSpPr>
-          <p:cNvPr id="3" name="Content Placeholder 2"/>
-          <p:cNvSpPr>
-            <a:spLocks noGrp="1"/>
-          </p:cNvSpPr>
-          <p:nvPr>
-            <p:ph idx="1"/>
-          </p:nvPr>
-        </p:nvSpPr>
-        <p:spPr/>
-        <p:txBody>
-          <a:bodyPr/>
-          <a:lstStyle/>
-          <a:p>
-            <a:endParaRPr lang="en-US" dirty="0"/>
-          </a:p>
-        </p:txBody>
-      </p:sp>
-      <p:sp>
-        <p:nvSpPr>
           <p:cNvPr id="4" name="Date Placeholder 3"/>
           <p:cNvSpPr>
             <a:spLocks noGrp="1"/>
@@ -4951,7 +5091,7 @@
             <a:fld id="{4EE09118-F6C0-44B1-AEB0-E70B108D11CB}" type="datetime1">
               <a:rPr lang="zh-CN" altLang="en-US" smtClean="0"/>
               <a:pPr/>
-              <a:t>2017/11/15</a:t>
+              <a:t>2019/12/4</a:t>
             </a:fld>
             <a:endParaRPr lang="zh-CN" altLang="en-US"/>
           </a:p>
@@ -4984,7 +5124,132 @@
     </p:spTree>
     <p:extLst>
       <p:ext uri="{BB962C8B-B14F-4D97-AF65-F5344CB8AC3E}">
-        <p14:creationId xmlns:p14="http://schemas.microsoft.com/office/powerpoint/2010/main" val="2692975210"/>
+        <p14:creationId xmlns:p14="http://schemas.microsoft.com/office/powerpoint/2010/main" val="1949347083"/>
+      </p:ext>
+    </p:extLst>
+  </p:cSld>
+  <p:clrMapOvr>
+    <a:masterClrMapping/>
+  </p:clrMapOvr>
+</p:sld>
+</file>
+
+<file path=ppt/slides/slide9.xml><?xml version="1.0" encoding="utf-8"?>
+<p:sld xmlns:a="http://schemas.openxmlformats.org/drawingml/2006/main" xmlns:r="http://schemas.openxmlformats.org/officeDocument/2006/relationships" xmlns:p="http://schemas.openxmlformats.org/presentationml/2006/main">
+  <p:cSld>
+    <p:spTree>
+      <p:nvGrpSpPr>
+        <p:cNvPr id="1" name=""/>
+        <p:cNvGrpSpPr/>
+        <p:nvPr/>
+      </p:nvGrpSpPr>
+      <p:grpSpPr>
+        <a:xfrm>
+          <a:off x="0" y="0"/>
+          <a:ext cx="0" cy="0"/>
+          <a:chOff x="0" y="0"/>
+          <a:chExt cx="0" cy="0"/>
+        </a:xfrm>
+      </p:grpSpPr>
+      <p:sp>
+        <p:nvSpPr>
+          <p:cNvPr id="2" name="Title 1"/>
+          <p:cNvSpPr>
+            <a:spLocks noGrp="1"/>
+          </p:cNvSpPr>
+          <p:nvPr>
+            <p:ph type="title"/>
+          </p:nvPr>
+        </p:nvSpPr>
+        <p:spPr/>
+        <p:txBody>
+          <a:bodyPr>
+            <a:normAutofit/>
+          </a:bodyPr>
+          <a:lstStyle/>
+          <a:p>
+            <a:r>
+              <a:rPr lang="en-US" dirty="0" err="1" smtClean="0"/>
+              <a:t>OSGi</a:t>
+            </a:r>
+            <a:endParaRPr lang="en-US" dirty="0"/>
+          </a:p>
+        </p:txBody>
+      </p:sp>
+      <p:sp>
+        <p:nvSpPr>
+          <p:cNvPr id="3" name="Content Placeholder 2"/>
+          <p:cNvSpPr>
+            <a:spLocks noGrp="1"/>
+          </p:cNvSpPr>
+          <p:nvPr>
+            <p:ph idx="1"/>
+          </p:nvPr>
+        </p:nvSpPr>
+        <p:spPr/>
+        <p:txBody>
+          <a:bodyPr/>
+          <a:lstStyle/>
+          <a:p>
+            <a:r>
+              <a:rPr lang="en-US" dirty="0"/>
+              <a:t>https://en.wikipedia.org/wiki/OSGi</a:t>
+            </a:r>
+          </a:p>
+        </p:txBody>
+      </p:sp>
+      <p:sp>
+        <p:nvSpPr>
+          <p:cNvPr id="4" name="Date Placeholder 3"/>
+          <p:cNvSpPr>
+            <a:spLocks noGrp="1"/>
+          </p:cNvSpPr>
+          <p:nvPr>
+            <p:ph type="dt" sz="half" idx="10"/>
+          </p:nvPr>
+        </p:nvSpPr>
+        <p:spPr/>
+        <p:txBody>
+          <a:bodyPr/>
+          <a:lstStyle/>
+          <a:p>
+            <a:fld id="{4EE09118-F6C0-44B1-AEB0-E70B108D11CB}" type="datetime1">
+              <a:rPr lang="zh-CN" altLang="en-US" smtClean="0"/>
+              <a:pPr/>
+              <a:t>2019/12/4</a:t>
+            </a:fld>
+            <a:endParaRPr lang="zh-CN" altLang="en-US"/>
+          </a:p>
+        </p:txBody>
+      </p:sp>
+      <p:sp>
+        <p:nvSpPr>
+          <p:cNvPr id="5" name="Slide Number Placeholder 4"/>
+          <p:cNvSpPr>
+            <a:spLocks noGrp="1"/>
+          </p:cNvSpPr>
+          <p:nvPr>
+            <p:ph type="sldNum" sz="quarter" idx="12"/>
+          </p:nvPr>
+        </p:nvSpPr>
+        <p:spPr/>
+        <p:txBody>
+          <a:bodyPr/>
+          <a:lstStyle/>
+          <a:p>
+            <a:fld id="{B3D1565B-4E83-45B7-9B19-292BF6FE1A2E}" type="slidenum">
+              <a:rPr lang="zh-CN" altLang="en-US" smtClean="0"/>
+              <a:pPr/>
+              <a:t>9</a:t>
+            </a:fld>
+            <a:endParaRPr lang="zh-CN" altLang="en-US"/>
+          </a:p>
+        </p:txBody>
+      </p:sp>
+    </p:spTree>
+    <p:extLst>
+      <p:ext uri="{BB962C8B-B14F-4D97-AF65-F5344CB8AC3E}">
+        <p14:creationId xmlns:p14="http://schemas.microsoft.com/office/powerpoint/2010/main" val="2823695451"/>
       </p:ext>
     </p:extLst>
   </p:cSld>
